--- a/slides/03_managing_data.pptx
+++ b/slides/03_managing_data.pptx
@@ -5142,7 +5142,7 @@
             </a:pPr>
             <a:r>
               <a:rPr/>
-              <a:t>Fetching Data Using OpenWeatherMap API</a:t>
+              <a:t>Managing Data Using CSV and SQL</a:t>
             </a:r>
           </a:p>
         </p:txBody>

--- a/slides/03_managing_data.pptx
+++ b/slides/03_managing_data.pptx
@@ -5142,7 +5142,7 @@
             </a:pPr>
             <a:r>
               <a:rPr/>
-              <a:t>Managing Data Using CSV and SQL</a:t>
+              <a:t>Data Handling Adventures: CSV and SQL Edition</a:t>
             </a:r>
           </a:p>
         </p:txBody>
@@ -5170,6 +5170,10 @@
             <a:pPr lvl="0" indent="0" marL="0">
               <a:buNone/>
             </a:pPr>
+            <a:r>
+              <a:rPr/>
+              <a:t>Become a Data Hero with Python Tools</a:t>
+            </a:r>
             <a:br/>
             <a:br/>
             <a:r>
